--- a/OntDesc planning meeting.pptx
+++ b/OntDesc planning meeting.pptx
@@ -108,6 +108,11 @@
       </a:defRPr>
     </a:lvl9pPr>
   </p:defaultTextStyle>
+  <p:extLst>
+    <p:ext uri="{EFAFB233-063F-42B5-8137-9DF3F51BA10A}">
+      <p15:sldGuideLst xmlns:p15="http://schemas.microsoft.com/office/powerpoint/2012/main"/>
+    </p:ext>
+  </p:extLst>
 </p:presentation>
 </file>
 
@@ -242,7 +247,7 @@
           <a:p>
             <a:fld id="{508C4719-4A5B-40F5-B41C-E57DDE668BD3}" type="datetimeFigureOut">
               <a:rPr lang="en-SE" smtClean="0"/>
-              <a:t>2021-01-15</a:t>
+              <a:t>2021-01-22</a:t>
             </a:fld>
             <a:endParaRPr lang="en-SE"/>
           </a:p>
@@ -412,7 +417,7 @@
           <a:p>
             <a:fld id="{508C4719-4A5B-40F5-B41C-E57DDE668BD3}" type="datetimeFigureOut">
               <a:rPr lang="en-SE" smtClean="0"/>
-              <a:t>2021-01-15</a:t>
+              <a:t>2021-01-22</a:t>
             </a:fld>
             <a:endParaRPr lang="en-SE"/>
           </a:p>
@@ -592,7 +597,7 @@
           <a:p>
             <a:fld id="{508C4719-4A5B-40F5-B41C-E57DDE668BD3}" type="datetimeFigureOut">
               <a:rPr lang="en-SE" smtClean="0"/>
-              <a:t>2021-01-15</a:t>
+              <a:t>2021-01-22</a:t>
             </a:fld>
             <a:endParaRPr lang="en-SE"/>
           </a:p>
@@ -762,7 +767,7 @@
           <a:p>
             <a:fld id="{508C4719-4A5B-40F5-B41C-E57DDE668BD3}" type="datetimeFigureOut">
               <a:rPr lang="en-SE" smtClean="0"/>
-              <a:t>2021-01-15</a:t>
+              <a:t>2021-01-22</a:t>
             </a:fld>
             <a:endParaRPr lang="en-SE"/>
           </a:p>
@@ -1008,7 +1013,7 @@
           <a:p>
             <a:fld id="{508C4719-4A5B-40F5-B41C-E57DDE668BD3}" type="datetimeFigureOut">
               <a:rPr lang="en-SE" smtClean="0"/>
-              <a:t>2021-01-15</a:t>
+              <a:t>2021-01-22</a:t>
             </a:fld>
             <a:endParaRPr lang="en-SE"/>
           </a:p>
@@ -1240,7 +1245,7 @@
           <a:p>
             <a:fld id="{508C4719-4A5B-40F5-B41C-E57DDE668BD3}" type="datetimeFigureOut">
               <a:rPr lang="en-SE" smtClean="0"/>
-              <a:t>2021-01-15</a:t>
+              <a:t>2021-01-22</a:t>
             </a:fld>
             <a:endParaRPr lang="en-SE"/>
           </a:p>
@@ -1607,7 +1612,7 @@
           <a:p>
             <a:fld id="{508C4719-4A5B-40F5-B41C-E57DDE668BD3}" type="datetimeFigureOut">
               <a:rPr lang="en-SE" smtClean="0"/>
-              <a:t>2021-01-15</a:t>
+              <a:t>2021-01-22</a:t>
             </a:fld>
             <a:endParaRPr lang="en-SE"/>
           </a:p>
@@ -1725,7 +1730,7 @@
           <a:p>
             <a:fld id="{508C4719-4A5B-40F5-B41C-E57DDE668BD3}" type="datetimeFigureOut">
               <a:rPr lang="en-SE" smtClean="0"/>
-              <a:t>2021-01-15</a:t>
+              <a:t>2021-01-22</a:t>
             </a:fld>
             <a:endParaRPr lang="en-SE"/>
           </a:p>
@@ -1820,7 +1825,7 @@
           <a:p>
             <a:fld id="{508C4719-4A5B-40F5-B41C-E57DDE668BD3}" type="datetimeFigureOut">
               <a:rPr lang="en-SE" smtClean="0"/>
-              <a:t>2021-01-15</a:t>
+              <a:t>2021-01-22</a:t>
             </a:fld>
             <a:endParaRPr lang="en-SE"/>
           </a:p>
@@ -2097,7 +2102,7 @@
           <a:p>
             <a:fld id="{508C4719-4A5B-40F5-B41C-E57DDE668BD3}" type="datetimeFigureOut">
               <a:rPr lang="en-SE" smtClean="0"/>
-              <a:t>2021-01-15</a:t>
+              <a:t>2021-01-22</a:t>
             </a:fld>
             <a:endParaRPr lang="en-SE"/>
           </a:p>
@@ -2350,7 +2355,7 @@
           <a:p>
             <a:fld id="{508C4719-4A5B-40F5-B41C-E57DDE668BD3}" type="datetimeFigureOut">
               <a:rPr lang="en-SE" smtClean="0"/>
-              <a:t>2021-01-15</a:t>
+              <a:t>2021-01-22</a:t>
             </a:fld>
             <a:endParaRPr lang="en-SE"/>
           </a:p>
@@ -2563,7 +2568,7 @@
           <a:p>
             <a:fld id="{508C4719-4A5B-40F5-B41C-E57DDE668BD3}" type="datetimeFigureOut">
               <a:rPr lang="en-SE" smtClean="0"/>
-              <a:t>2021-01-15</a:t>
+              <a:t>2021-01-22</a:t>
             </a:fld>
             <a:endParaRPr lang="en-SE"/>
           </a:p>
@@ -3777,20 +3782,8 @@
           <a:lstStyle/>
           <a:p>
             <a:r>
-              <a:rPr lang="da-DK" dirty="0" smtClean="0"/>
-              <a:t>Rough </a:t>
-            </a:r>
-            <a:r>
-              <a:rPr lang="da-DK" dirty="0" err="1" smtClean="0"/>
-              <a:t>draft</a:t>
-            </a:r>
-            <a:r>
-              <a:rPr lang="da-DK" dirty="0" smtClean="0"/>
-              <a:t> of </a:t>
-            </a:r>
-            <a:r>
-              <a:rPr lang="da-DK" dirty="0" err="1" smtClean="0"/>
-              <a:t>target</a:t>
+              <a:rPr lang="en-SE" dirty="0" smtClean="0"/>
+              <a:t>Rough draft of target</a:t>
             </a:r>
             <a:endParaRPr lang="en-SE" dirty="0"/>
           </a:p>
@@ -3840,228 +3833,198 @@
           </a:p>
         </p:txBody>
       </p:sp>
-      <p:grpSp>
-        <p:nvGrpSpPr>
-          <p:cNvPr id="18" name="Group 17"/>
-          <p:cNvGrpSpPr/>
+      <p:sp>
+        <p:nvSpPr>
+          <p:cNvPr id="4" name="TextBox 3"/>
+          <p:cNvSpPr txBox="1"/>
           <p:nvPr/>
-        </p:nvGrpSpPr>
-        <p:grpSpPr>
+        </p:nvSpPr>
+        <p:spPr>
           <a:xfrm>
-            <a:off x="257393" y="2048202"/>
-            <a:ext cx="3890682" cy="3719697"/>
-            <a:chOff x="403412" y="2959009"/>
-            <a:chExt cx="3890682" cy="3719697"/>
-          </a:xfrm>
-        </p:grpSpPr>
-        <p:sp>
-          <p:nvSpPr>
-            <p:cNvPr id="4" name="TextBox 3"/>
-            <p:cNvSpPr txBox="1"/>
-            <p:nvPr/>
-          </p:nvSpPr>
-          <p:spPr>
-            <a:xfrm>
-              <a:off x="680034" y="2959009"/>
-              <a:ext cx="3292120" cy="369332"/>
-            </a:xfrm>
-            <a:prstGeom prst="rect">
-              <a:avLst/>
-            </a:prstGeom>
-            <a:noFill/>
-          </p:spPr>
-          <p:txBody>
-            <a:bodyPr wrap="none" rtlCol="0">
-              <a:spAutoFit/>
-            </a:bodyPr>
-            <a:lstStyle/>
-            <a:p>
-              <a:r>
-                <a:rPr lang="da-DK" dirty="0" smtClean="0"/>
-                <a:t>Tab 1 </a:t>
-              </a:r>
-              <a:r>
-                <a:rPr lang="en-SE" dirty="0" smtClean="0"/>
-                <a:t>–</a:t>
-              </a:r>
-              <a:r>
-                <a:rPr lang="da-DK" dirty="0" smtClean="0"/>
-                <a:t> data input and </a:t>
-              </a:r>
-              <a:r>
-                <a:rPr lang="da-DK" dirty="0" err="1" smtClean="0"/>
-                <a:t>clustering</a:t>
-              </a:r>
-              <a:r>
-                <a:rPr lang="da-DK" dirty="0" smtClean="0"/>
-                <a:t> </a:t>
-              </a:r>
-              <a:endParaRPr lang="en-SE" dirty="0"/>
-            </a:p>
-          </p:txBody>
-        </p:sp>
-        <p:sp>
-          <p:nvSpPr>
-            <p:cNvPr id="5" name="Rectangle 4"/>
-            <p:cNvSpPr/>
-            <p:nvPr/>
-          </p:nvSpPr>
-          <p:spPr>
-            <a:xfrm>
-              <a:off x="403412" y="3352800"/>
-              <a:ext cx="3890682" cy="3325906"/>
-            </a:xfrm>
-            <a:prstGeom prst="rect">
-              <a:avLst/>
-            </a:prstGeom>
-            <a:noFill/>
-            <a:ln w="19050">
-              <a:solidFill>
-                <a:schemeClr val="tx1"/>
-              </a:solidFill>
-            </a:ln>
-          </p:spPr>
-          <p:style>
-            <a:lnRef idx="2">
-              <a:schemeClr val="accent1">
-                <a:shade val="50000"/>
-              </a:schemeClr>
-            </a:lnRef>
-            <a:fillRef idx="1">
-              <a:schemeClr val="accent1"/>
-            </a:fillRef>
-            <a:effectRef idx="0">
-              <a:schemeClr val="accent1"/>
-            </a:effectRef>
-            <a:fontRef idx="minor">
-              <a:schemeClr val="lt1"/>
-            </a:fontRef>
-          </p:style>
-          <p:txBody>
-            <a:bodyPr rtlCol="0" anchor="ctr"/>
-            <a:lstStyle/>
-            <a:p>
-              <a:pPr algn="ctr"/>
-              <a:endParaRPr lang="en-SE"/>
-            </a:p>
-          </p:txBody>
-        </p:sp>
-      </p:grpSp>
-      <p:grpSp>
-        <p:nvGrpSpPr>
-          <p:cNvPr id="19" name="Group 18"/>
-          <p:cNvGrpSpPr/>
+            <a:off x="556674" y="1862439"/>
+            <a:ext cx="3292120" cy="369332"/>
+          </a:xfrm>
+          <a:prstGeom prst="rect">
+            <a:avLst/>
+          </a:prstGeom>
+          <a:noFill/>
+        </p:spPr>
+        <p:txBody>
+          <a:bodyPr wrap="none" rtlCol="0">
+            <a:spAutoFit/>
+          </a:bodyPr>
+          <a:lstStyle/>
+          <a:p>
+            <a:r>
+              <a:rPr lang="da-DK" dirty="0" smtClean="0"/>
+              <a:t>Tab 1 </a:t>
+            </a:r>
+            <a:r>
+              <a:rPr lang="en-SE" dirty="0" smtClean="0"/>
+              <a:t>–</a:t>
+            </a:r>
+            <a:r>
+              <a:rPr lang="da-DK" dirty="0" smtClean="0"/>
+              <a:t> data input and </a:t>
+            </a:r>
+            <a:r>
+              <a:rPr lang="en-SE" dirty="0" smtClean="0"/>
+              <a:t>clustering</a:t>
+            </a:r>
+            <a:r>
+              <a:rPr lang="da-DK" dirty="0" smtClean="0"/>
+              <a:t> </a:t>
+            </a:r>
+            <a:endParaRPr lang="en-SE" dirty="0"/>
+          </a:p>
+        </p:txBody>
+      </p:sp>
+      <p:sp>
+        <p:nvSpPr>
+          <p:cNvPr id="5" name="Rectangle 4"/>
+          <p:cNvSpPr/>
           <p:nvPr/>
-        </p:nvGrpSpPr>
-        <p:grpSpPr>
+        </p:nvSpPr>
+        <p:spPr>
           <a:xfrm>
-            <a:off x="8104096" y="2048202"/>
-            <a:ext cx="3890682" cy="3695238"/>
-            <a:chOff x="7736542" y="2798802"/>
-            <a:chExt cx="3890682" cy="3695238"/>
-          </a:xfrm>
-        </p:grpSpPr>
-        <p:sp>
-          <p:nvSpPr>
-            <p:cNvPr id="8" name="TextBox 7"/>
-            <p:cNvSpPr txBox="1"/>
-            <p:nvPr/>
-          </p:nvSpPr>
-          <p:spPr>
-            <a:xfrm>
-              <a:off x="8314827" y="2798802"/>
-              <a:ext cx="3038973" cy="369332"/>
-            </a:xfrm>
-            <a:prstGeom prst="rect">
-              <a:avLst/>
-            </a:prstGeom>
-            <a:noFill/>
-          </p:spPr>
-          <p:txBody>
-            <a:bodyPr wrap="none" rtlCol="0">
-              <a:spAutoFit/>
-            </a:bodyPr>
-            <a:lstStyle/>
-            <a:p>
-              <a:r>
-                <a:rPr lang="da-DK" dirty="0" smtClean="0"/>
-                <a:t>Tab 3 </a:t>
-              </a:r>
-              <a:r>
-                <a:rPr lang="en-SE" dirty="0" smtClean="0"/>
-                <a:t>–</a:t>
-              </a:r>
-              <a:r>
-                <a:rPr lang="da-DK" dirty="0" smtClean="0"/>
-                <a:t> </a:t>
-              </a:r>
-              <a:r>
-                <a:rPr lang="da-DK" dirty="0" err="1" smtClean="0"/>
-                <a:t>clustering</a:t>
-              </a:r>
-              <a:r>
-                <a:rPr lang="da-DK" dirty="0"/>
-                <a:t> </a:t>
-              </a:r>
-              <a:r>
-                <a:rPr lang="da-DK" dirty="0" smtClean="0"/>
-                <a:t>&amp; </a:t>
-              </a:r>
-              <a:r>
-                <a:rPr lang="da-DK" dirty="0" err="1" smtClean="0"/>
-                <a:t>visualizing</a:t>
-              </a:r>
-              <a:endParaRPr lang="en-SE" dirty="0"/>
-            </a:p>
-          </p:txBody>
-        </p:sp>
-        <p:sp>
-          <p:nvSpPr>
-            <p:cNvPr id="9" name="Rectangle 8"/>
-            <p:cNvSpPr/>
-            <p:nvPr/>
-          </p:nvSpPr>
-          <p:spPr>
-            <a:xfrm>
-              <a:off x="7736542" y="3168134"/>
-              <a:ext cx="3890682" cy="3325906"/>
-            </a:xfrm>
-            <a:prstGeom prst="rect">
-              <a:avLst/>
-            </a:prstGeom>
-            <a:noFill/>
-            <a:ln w="19050">
-              <a:solidFill>
-                <a:schemeClr val="tx1"/>
-              </a:solidFill>
-            </a:ln>
-          </p:spPr>
-          <p:style>
-            <a:lnRef idx="2">
-              <a:schemeClr val="accent1">
-                <a:shade val="50000"/>
-              </a:schemeClr>
-            </a:lnRef>
-            <a:fillRef idx="1">
-              <a:schemeClr val="accent1"/>
-            </a:fillRef>
-            <a:effectRef idx="0">
-              <a:schemeClr val="accent1"/>
-            </a:effectRef>
-            <a:fontRef idx="minor">
-              <a:schemeClr val="lt1"/>
-            </a:fontRef>
-          </p:style>
-          <p:txBody>
-            <a:bodyPr rtlCol="0" anchor="ctr"/>
-            <a:lstStyle/>
-            <a:p>
-              <a:pPr algn="ctr"/>
-              <a:endParaRPr lang="en-SE"/>
-            </a:p>
-          </p:txBody>
-        </p:sp>
-      </p:grpSp>
+            <a:off x="257393" y="2441993"/>
+            <a:ext cx="3890682" cy="3325906"/>
+          </a:xfrm>
+          <a:prstGeom prst="rect">
+            <a:avLst/>
+          </a:prstGeom>
+          <a:noFill/>
+          <a:ln w="19050">
+            <a:solidFill>
+              <a:schemeClr val="tx1"/>
+            </a:solidFill>
+          </a:ln>
+        </p:spPr>
+        <p:style>
+          <a:lnRef idx="2">
+            <a:schemeClr val="accent1">
+              <a:shade val="50000"/>
+            </a:schemeClr>
+          </a:lnRef>
+          <a:fillRef idx="1">
+            <a:schemeClr val="accent1"/>
+          </a:fillRef>
+          <a:effectRef idx="0">
+            <a:schemeClr val="accent1"/>
+          </a:effectRef>
+          <a:fontRef idx="minor">
+            <a:schemeClr val="lt1"/>
+          </a:fontRef>
+        </p:style>
+        <p:txBody>
+          <a:bodyPr rtlCol="0" anchor="ctr"/>
+          <a:lstStyle/>
+          <a:p>
+            <a:pPr algn="ctr"/>
+            <a:endParaRPr lang="en-SE"/>
+          </a:p>
+        </p:txBody>
+      </p:sp>
+      <p:sp>
+        <p:nvSpPr>
+          <p:cNvPr id="8" name="TextBox 7"/>
+          <p:cNvSpPr txBox="1"/>
+          <p:nvPr/>
+        </p:nvSpPr>
+        <p:spPr>
+          <a:xfrm>
+            <a:off x="8529950" y="1882892"/>
+            <a:ext cx="3038973" cy="369332"/>
+          </a:xfrm>
+          <a:prstGeom prst="rect">
+            <a:avLst/>
+          </a:prstGeom>
+          <a:noFill/>
+        </p:spPr>
+        <p:txBody>
+          <a:bodyPr wrap="none" rtlCol="0">
+            <a:spAutoFit/>
+          </a:bodyPr>
+          <a:lstStyle/>
+          <a:p>
+            <a:r>
+              <a:rPr lang="da-DK" dirty="0" smtClean="0"/>
+              <a:t>Tab 3 </a:t>
+            </a:r>
+            <a:r>
+              <a:rPr lang="en-SE" dirty="0" smtClean="0"/>
+              <a:t>–</a:t>
+            </a:r>
+            <a:r>
+              <a:rPr lang="da-DK" dirty="0" smtClean="0"/>
+              <a:t> </a:t>
+            </a:r>
+            <a:r>
+              <a:rPr lang="en-SE" dirty="0" smtClean="0"/>
+              <a:t>clustering</a:t>
+            </a:r>
+            <a:r>
+              <a:rPr lang="da-DK" dirty="0" smtClean="0"/>
+              <a:t> </a:t>
+            </a:r>
+            <a:r>
+              <a:rPr lang="da-DK" dirty="0" smtClean="0"/>
+              <a:t>&amp; </a:t>
+            </a:r>
+            <a:r>
+              <a:rPr lang="en-SE" dirty="0" smtClean="0"/>
+              <a:t>visualizing</a:t>
+            </a:r>
+            <a:endParaRPr lang="en-SE" dirty="0"/>
+          </a:p>
+        </p:txBody>
+      </p:sp>
+      <p:sp>
+        <p:nvSpPr>
+          <p:cNvPr id="9" name="Rectangle 8"/>
+          <p:cNvSpPr/>
+          <p:nvPr/>
+        </p:nvSpPr>
+        <p:spPr>
+          <a:xfrm>
+            <a:off x="8104096" y="2417534"/>
+            <a:ext cx="3890682" cy="3325906"/>
+          </a:xfrm>
+          <a:prstGeom prst="rect">
+            <a:avLst/>
+          </a:prstGeom>
+          <a:noFill/>
+          <a:ln w="19050">
+            <a:solidFill>
+              <a:schemeClr val="tx1"/>
+            </a:solidFill>
+          </a:ln>
+        </p:spPr>
+        <p:style>
+          <a:lnRef idx="2">
+            <a:schemeClr val="accent1">
+              <a:shade val="50000"/>
+            </a:schemeClr>
+          </a:lnRef>
+          <a:fillRef idx="1">
+            <a:schemeClr val="accent1"/>
+          </a:fillRef>
+          <a:effectRef idx="0">
+            <a:schemeClr val="accent1"/>
+          </a:effectRef>
+          <a:fontRef idx="minor">
+            <a:schemeClr val="lt1"/>
+          </a:fontRef>
+        </p:style>
+        <p:txBody>
+          <a:bodyPr rtlCol="0" anchor="ctr"/>
+          <a:lstStyle/>
+          <a:p>
+            <a:pPr algn="ctr"/>
+            <a:endParaRPr lang="en-SE"/>
+          </a:p>
+        </p:txBody>
+      </p:sp>
       <p:sp>
         <p:nvSpPr>
           <p:cNvPr id="6" name="TextBox 5"/>
@@ -4091,12 +4054,8 @@
           <a:p>
             <a:pPr algn="r"/>
             <a:r>
-              <a:rPr lang="da-DK" dirty="0" smtClean="0"/>
-              <a:t>P-</a:t>
-            </a:r>
-            <a:r>
-              <a:rPr lang="da-DK" dirty="0" err="1" smtClean="0"/>
-              <a:t>values</a:t>
+              <a:rPr lang="en-SE" dirty="0" smtClean="0"/>
+              <a:t>P-values</a:t>
             </a:r>
             <a:endParaRPr lang="en-SE" dirty="0"/>
           </a:p>
@@ -4131,7 +4090,7 @@
           <a:p>
             <a:pPr algn="r"/>
             <a:r>
-              <a:rPr lang="da-DK" dirty="0" smtClean="0"/>
+              <a:rPr lang="en-SE" dirty="0" smtClean="0"/>
               <a:t>Terms</a:t>
             </a:r>
             <a:endParaRPr lang="en-SE" dirty="0"/>
@@ -4167,7 +4126,7 @@
           <a:p>
             <a:pPr algn="r"/>
             <a:r>
-              <a:rPr lang="da-DK" dirty="0" err="1" smtClean="0"/>
+              <a:rPr lang="en-SE" dirty="0" smtClean="0"/>
               <a:t>Enrichment</a:t>
             </a:r>
             <a:endParaRPr lang="en-SE" dirty="0"/>
@@ -4227,7 +4186,7 @@
           <a:lstStyle/>
           <a:p>
             <a:r>
-              <a:rPr lang="da-DK" dirty="0" smtClean="0"/>
+              <a:rPr lang="en-SE" dirty="0" smtClean="0"/>
               <a:t>Y axis</a:t>
             </a:r>
             <a:endParaRPr lang="en-SE" dirty="0"/>
@@ -4257,7 +4216,7 @@
           <a:lstStyle/>
           <a:p>
             <a:r>
-              <a:rPr lang="da-DK" dirty="0" smtClean="0"/>
+              <a:rPr lang="en-SE" dirty="0" smtClean="0"/>
               <a:t>X axis</a:t>
             </a:r>
             <a:endParaRPr lang="en-SE" dirty="0"/>
@@ -4287,12 +4246,8 @@
           <a:lstStyle/>
           <a:p>
             <a:r>
-              <a:rPr lang="da-DK" dirty="0" smtClean="0"/>
-              <a:t>Point </a:t>
-            </a:r>
-            <a:r>
-              <a:rPr lang="da-DK" dirty="0" err="1" smtClean="0"/>
-              <a:t>size</a:t>
+              <a:rPr lang="en-SE" dirty="0" smtClean="0"/>
+              <a:t>Point size</a:t>
             </a:r>
             <a:endParaRPr lang="en-SE" dirty="0"/>
           </a:p>
@@ -4352,129 +4307,16 @@
           </a:p>
         </p:txBody>
       </p:sp>
-      <p:grpSp>
-        <p:nvGrpSpPr>
-          <p:cNvPr id="21" name="Group 20"/>
-          <p:cNvGrpSpPr/>
-          <p:nvPr/>
-        </p:nvGrpSpPr>
-        <p:grpSpPr>
-          <a:xfrm>
-            <a:off x="4543273" y="1717582"/>
-            <a:ext cx="3040393" cy="4025858"/>
-            <a:chOff x="403412" y="2652848"/>
-            <a:chExt cx="3890682" cy="4025858"/>
-          </a:xfrm>
-        </p:grpSpPr>
-        <p:sp>
-          <p:nvSpPr>
-            <p:cNvPr id="22" name="TextBox 21"/>
-            <p:cNvSpPr txBox="1"/>
-            <p:nvPr/>
-          </p:nvSpPr>
-          <p:spPr>
-            <a:xfrm>
-              <a:off x="551273" y="2652848"/>
-              <a:ext cx="3054327" cy="646331"/>
-            </a:xfrm>
-            <a:prstGeom prst="rect">
-              <a:avLst/>
-            </a:prstGeom>
-            <a:noFill/>
-          </p:spPr>
-          <p:txBody>
-            <a:bodyPr wrap="none" rtlCol="0">
-              <a:spAutoFit/>
-            </a:bodyPr>
-            <a:lstStyle/>
-            <a:p>
-              <a:r>
-                <a:rPr lang="da-DK" dirty="0" smtClean="0"/>
-                <a:t>Tab 2 </a:t>
-              </a:r>
-              <a:r>
-                <a:rPr lang="en-SE" dirty="0" smtClean="0"/>
-                <a:t>–</a:t>
-              </a:r>
-              <a:r>
-                <a:rPr lang="da-DK" dirty="0" smtClean="0"/>
-                <a:t> Double check and </a:t>
-              </a:r>
-            </a:p>
-            <a:p>
-              <a:r>
-                <a:rPr lang="da-DK" dirty="0" smtClean="0"/>
-                <a:t>Fine-tune </a:t>
-              </a:r>
-              <a:r>
-                <a:rPr lang="da-DK" dirty="0" err="1" smtClean="0"/>
-                <a:t>cluster</a:t>
-              </a:r>
-              <a:r>
-                <a:rPr lang="da-DK" dirty="0" smtClean="0"/>
-                <a:t> </a:t>
-              </a:r>
-              <a:endParaRPr lang="en-SE" dirty="0"/>
-            </a:p>
-          </p:txBody>
-        </p:sp>
-        <p:sp>
-          <p:nvSpPr>
-            <p:cNvPr id="23" name="Rectangle 22"/>
-            <p:cNvSpPr/>
-            <p:nvPr/>
-          </p:nvSpPr>
-          <p:spPr>
-            <a:xfrm>
-              <a:off x="403412" y="3352800"/>
-              <a:ext cx="3890682" cy="3325906"/>
-            </a:xfrm>
-            <a:prstGeom prst="rect">
-              <a:avLst/>
-            </a:prstGeom>
-            <a:noFill/>
-            <a:ln w="19050">
-              <a:solidFill>
-                <a:schemeClr val="tx1"/>
-              </a:solidFill>
-            </a:ln>
-          </p:spPr>
-          <p:style>
-            <a:lnRef idx="2">
-              <a:schemeClr val="accent1">
-                <a:shade val="50000"/>
-              </a:schemeClr>
-            </a:lnRef>
-            <a:fillRef idx="1">
-              <a:schemeClr val="accent1"/>
-            </a:fillRef>
-            <a:effectRef idx="0">
-              <a:schemeClr val="accent1"/>
-            </a:effectRef>
-            <a:fontRef idx="minor">
-              <a:schemeClr val="lt1"/>
-            </a:fontRef>
-          </p:style>
-          <p:txBody>
-            <a:bodyPr rtlCol="0" anchor="ctr"/>
-            <a:lstStyle/>
-            <a:p>
-              <a:pPr algn="ctr"/>
-              <a:endParaRPr lang="en-SE"/>
-            </a:p>
-          </p:txBody>
-        </p:sp>
-      </p:grpSp>
-      <p:sp>
-        <p:nvSpPr>
-          <p:cNvPr id="31" name="TextBox 30"/>
+      <p:sp>
+        <p:nvSpPr>
+          <p:cNvPr id="22" name="TextBox 21"/>
           <p:cNvSpPr txBox="1"/>
           <p:nvPr/>
         </p:nvSpPr>
         <p:spPr>
           <a:xfrm>
-            <a:off x="5058409" y="4330309"/>
-            <a:ext cx="2215671" cy="369332"/>
+            <a:off x="4779705" y="1744392"/>
+            <a:ext cx="2628861" cy="646331"/>
           </a:xfrm>
           <a:prstGeom prst="rect">
             <a:avLst/>
@@ -4487,13 +4329,41 @@
           </a:bodyPr>
           <a:lstStyle/>
           <a:p>
-            <a:r>
-              <a:rPr lang="da-DK" dirty="0" err="1" smtClean="0"/>
-              <a:t>Quick</a:t>
-            </a:r>
-            <a:r>
-              <a:rPr lang="da-DK" dirty="0" smtClean="0"/>
-              <a:t> demo fine tune</a:t>
+            <a:pPr algn="ctr"/>
+            <a:r>
+              <a:rPr lang="da-DK" dirty="0" smtClean="0"/>
+              <a:t>Tab 2 </a:t>
+            </a:r>
+            <a:r>
+              <a:rPr lang="en-SE" dirty="0" smtClean="0"/>
+              <a:t>–</a:t>
+            </a:r>
+            <a:r>
+              <a:rPr lang="da-DK" dirty="0" smtClean="0"/>
+              <a:t> </a:t>
+            </a:r>
+            <a:r>
+              <a:rPr lang="da-DK" dirty="0" smtClean="0"/>
+              <a:t>double </a:t>
+            </a:r>
+            <a:r>
+              <a:rPr lang="da-DK" dirty="0" smtClean="0"/>
+              <a:t>check and </a:t>
+            </a:r>
+          </a:p>
+          <a:p>
+            <a:pPr algn="ctr"/>
+            <a:r>
+              <a:rPr lang="da-DK" dirty="0" smtClean="0"/>
+              <a:t>fine-tune </a:t>
+            </a:r>
+            <a:r>
+              <a:rPr lang="en-SE" dirty="0" smtClean="0"/>
+              <a:t>cluster</a:t>
+            </a:r>
+            <a:r>
+              <a:rPr lang="da-DK" dirty="0" smtClean="0"/>
+              <a:t> </a:t>
             </a:r>
             <a:endParaRPr lang="en-SE" dirty="0"/>
           </a:p>
@@ -4501,19 +4371,65 @@
       </p:sp>
       <p:sp>
         <p:nvSpPr>
-          <p:cNvPr id="32" name="TextBox 31"/>
-          <p:cNvSpPr txBox="1"/>
+          <p:cNvPr id="23" name="Rectangle 22"/>
+          <p:cNvSpPr/>
           <p:nvPr/>
         </p:nvSpPr>
         <p:spPr>
           <a:xfrm>
-            <a:off x="5109793" y="3286510"/>
-            <a:ext cx="2315634" cy="369332"/>
+            <a:off x="4543273" y="2417534"/>
+            <a:ext cx="3040393" cy="3325906"/>
           </a:xfrm>
           <a:prstGeom prst="rect">
             <a:avLst/>
           </a:prstGeom>
           <a:noFill/>
+          <a:ln w="19050">
+            <a:solidFill>
+              <a:schemeClr val="tx1"/>
+            </a:solidFill>
+          </a:ln>
+        </p:spPr>
+        <p:style>
+          <a:lnRef idx="2">
+            <a:schemeClr val="accent1">
+              <a:shade val="50000"/>
+            </a:schemeClr>
+          </a:lnRef>
+          <a:fillRef idx="1">
+            <a:schemeClr val="accent1"/>
+          </a:fillRef>
+          <a:effectRef idx="0">
+            <a:schemeClr val="accent1"/>
+          </a:effectRef>
+          <a:fontRef idx="minor">
+            <a:schemeClr val="lt1"/>
+          </a:fontRef>
+        </p:style>
+        <p:txBody>
+          <a:bodyPr rtlCol="0" anchor="ctr"/>
+          <a:lstStyle/>
+          <a:p>
+            <a:pPr algn="ctr"/>
+            <a:endParaRPr lang="en-SE"/>
+          </a:p>
+        </p:txBody>
+      </p:sp>
+      <p:sp>
+        <p:nvSpPr>
+          <p:cNvPr id="31" name="TextBox 30"/>
+          <p:cNvSpPr txBox="1"/>
+          <p:nvPr/>
+        </p:nvSpPr>
+        <p:spPr>
+          <a:xfrm>
+            <a:off x="5009833" y="4261267"/>
+            <a:ext cx="2168607" cy="646331"/>
+          </a:xfrm>
+          <a:prstGeom prst="rect">
+            <a:avLst/>
+          </a:prstGeom>
+          <a:noFill/>
         </p:spPr>
         <p:txBody>
           <a:bodyPr wrap="none" rtlCol="0">
@@ -4522,20 +4438,48 @@
           <a:lstStyle/>
           <a:p>
             <a:r>
-              <a:rPr lang="da-DK" dirty="0" smtClean="0"/>
-              <a:t>Select </a:t>
-            </a:r>
-            <a:r>
-              <a:rPr lang="da-DK" dirty="0" err="1" smtClean="0"/>
-              <a:t>number</a:t>
-            </a:r>
-            <a:r>
-              <a:rPr lang="da-DK" dirty="0" smtClean="0"/>
-              <a:t> </a:t>
-            </a:r>
-            <a:r>
-              <a:rPr lang="da-DK" dirty="0" err="1" smtClean="0"/>
-              <a:t>clusters</a:t>
+              <a:rPr lang="en-SE" dirty="0" smtClean="0"/>
+              <a:t>Fine tune cluster</a:t>
+            </a:r>
+            <a:r>
+              <a:rPr lang="en-SE" dirty="0" smtClean="0"/>
+              <a:t>s by </a:t>
+            </a:r>
+          </a:p>
+          <a:p>
+            <a:r>
+              <a:rPr lang="en-SE" dirty="0" smtClean="0"/>
+              <a:t>draging</a:t>
+            </a:r>
+            <a:endParaRPr lang="en-SE" dirty="0"/>
+          </a:p>
+        </p:txBody>
+      </p:sp>
+      <p:sp>
+        <p:nvSpPr>
+          <p:cNvPr id="32" name="TextBox 31"/>
+          <p:cNvSpPr txBox="1"/>
+          <p:nvPr/>
+        </p:nvSpPr>
+        <p:spPr>
+          <a:xfrm>
+            <a:off x="5009833" y="3517758"/>
+            <a:ext cx="2315634" cy="369332"/>
+          </a:xfrm>
+          <a:prstGeom prst="rect">
+            <a:avLst/>
+          </a:prstGeom>
+          <a:noFill/>
+        </p:spPr>
+        <p:txBody>
+          <a:bodyPr wrap="none" rtlCol="0">
+            <a:spAutoFit/>
+          </a:bodyPr>
+          <a:lstStyle/>
+          <a:p>
+            <a:r>
+              <a:rPr lang="en-SE" dirty="0" smtClean="0"/>
+              <a:t>Select number clusters</a:t>
             </a:r>
             <a:endParaRPr lang="en-SE" dirty="0"/>
           </a:p>
@@ -4639,12 +4583,8 @@
           <a:p>
             <a:pPr algn="r"/>
             <a:r>
-              <a:rPr lang="da-DK" dirty="0" smtClean="0"/>
-              <a:t>P-</a:t>
-            </a:r>
-            <a:r>
-              <a:rPr lang="da-DK" dirty="0" err="1" smtClean="0"/>
-              <a:t>values</a:t>
+              <a:rPr lang="en-SE" dirty="0" smtClean="0"/>
+              <a:t>P-values</a:t>
             </a:r>
             <a:endParaRPr lang="en-SE" dirty="0"/>
           </a:p>
@@ -4673,12 +4613,8 @@
           <a:lstStyle/>
           <a:p>
             <a:r>
-              <a:rPr lang="da-DK" dirty="0" smtClean="0"/>
-              <a:t>Point </a:t>
-            </a:r>
-            <a:r>
-              <a:rPr lang="da-DK" dirty="0" err="1" smtClean="0"/>
-              <a:t>shape</a:t>
+              <a:rPr lang="en-SE" dirty="0" smtClean="0"/>
+              <a:t>Point shape</a:t>
             </a:r>
             <a:endParaRPr lang="en-SE" dirty="0"/>
           </a:p>
